--- a/docs/MonthlyPresentation/20150511_PRAVEEN.pptx
+++ b/docs/MonthlyPresentation/20150511_PRAVEEN.pptx
@@ -10,10 +10,10 @@
   <p:sldIdLst>
     <p:sldId id="256" r:id="rId2"/>
     <p:sldId id="271" r:id="rId3"/>
-    <p:sldId id="269" r:id="rId4"/>
-    <p:sldId id="272" r:id="rId5"/>
-    <p:sldId id="274" r:id="rId6"/>
-    <p:sldId id="273" r:id="rId7"/>
+    <p:sldId id="275" r:id="rId4"/>
+    <p:sldId id="269" r:id="rId5"/>
+    <p:sldId id="272" r:id="rId6"/>
+    <p:sldId id="274" r:id="rId7"/>
     <p:sldId id="270" r:id="rId8"/>
   </p:sldIdLst>
   <p:sldSz cx="9144000" cy="5143500" type="screen16x9"/>
@@ -5052,136 +5052,156 @@
           <a:p>
             <a:pPr lvl="1"/>
             <a:r>
-              <a:rPr lang="en-US" sz="1600" dirty="0" smtClean="0"/>
+              <a:rPr lang="en-US" dirty="0" smtClean="0"/>
               <a:t> Removing outliers when the change in angle is large</a:t>
             </a:r>
           </a:p>
           <a:p>
             <a:pPr lvl="1"/>
             <a:r>
-              <a:rPr lang="en-US" sz="1600" dirty="0"/>
+              <a:rPr lang="en-US" dirty="0" smtClean="0"/>
+              <a:t> Particle </a:t>
+            </a:r>
+            <a:r>
+              <a:rPr lang="en-US" dirty="0" smtClean="0"/>
+              <a:t>Filter approach using Bayesian filter library</a:t>
+            </a:r>
+          </a:p>
+          <a:p>
+            <a:pPr lvl="2"/>
+            <a:r>
+              <a:rPr lang="en-US" dirty="0"/>
               <a:t> </a:t>
             </a:r>
             <a:r>
-              <a:rPr lang="en-US" sz="1600" dirty="0" smtClean="0"/>
-              <a:t>Averaging the pose to find smooth estimate</a:t>
-            </a:r>
-          </a:p>
-          <a:p>
-            <a:pPr lvl="1"/>
-            <a:r>
-              <a:rPr lang="en-US" sz="1600" dirty="0"/>
-              <a:t> </a:t>
-            </a:r>
-            <a:r>
-              <a:rPr lang="en-US" sz="1600" dirty="0" smtClean="0"/>
-              <a:t>Particle Filter approach using Bayesian filter library</a:t>
-            </a:r>
-          </a:p>
-          <a:p>
-            <a:pPr lvl="2"/>
-            <a:r>
-              <a:rPr lang="en-US" sz="1600" dirty="0"/>
-              <a:t> </a:t>
-            </a:r>
-            <a:r>
-              <a:rPr lang="en-US" sz="1600" dirty="0" smtClean="0"/>
-              <a:t>Was not able to make it work as expected. Have to spend more time on it.</a:t>
-            </a:r>
-          </a:p>
-          <a:p>
-            <a:pPr marL="1117600" lvl="2" indent="0">
-              <a:buNone/>
-            </a:pPr>
-            <a:endParaRPr lang="en-US" sz="1600" dirty="0" smtClean="0"/>
-          </a:p>
-          <a:p>
-            <a:r>
-              <a:rPr lang="en-US" sz="1600" dirty="0" smtClean="0"/>
-              <a:t>  Collaborate </a:t>
-            </a:r>
-            <a:r>
-              <a:rPr lang="en-US" sz="1600" dirty="0"/>
-              <a:t>with Mr. Vincent </a:t>
-            </a:r>
-            <a:r>
-              <a:rPr lang="en-US" sz="1600" dirty="0" err="1"/>
-              <a:t>Berenz</a:t>
-            </a:r>
-            <a:r>
-              <a:rPr lang="en-US" sz="1600" dirty="0"/>
-              <a:t> to use TDM framework for behavior </a:t>
-            </a:r>
-            <a:r>
-              <a:rPr lang="en-US" sz="1600" dirty="0" smtClean="0"/>
-              <a:t>execution</a:t>
-            </a:r>
-          </a:p>
-          <a:p>
-            <a:pPr lvl="1"/>
-            <a:r>
-              <a:rPr lang="en-US" sz="1600" dirty="0"/>
-              <a:t> </a:t>
-            </a:r>
-            <a:r>
-              <a:rPr lang="en-US" sz="1600" dirty="0" smtClean="0"/>
-              <a:t>Made initial tests of Nao walking towards a virtual target.</a:t>
-            </a:r>
-          </a:p>
-          <a:p>
-            <a:pPr lvl="1"/>
-            <a:r>
-              <a:rPr lang="en-US" sz="1600" dirty="0"/>
-              <a:t> </a:t>
-            </a:r>
-            <a:r>
-              <a:rPr lang="en-US" sz="1600" dirty="0" smtClean="0"/>
-              <a:t>The TDM module gets localization information in real time from the server however as the robot approaches the distance increases instead of decreasing.</a:t>
-            </a:r>
-          </a:p>
-          <a:p>
-            <a:pPr lvl="1"/>
-            <a:r>
-              <a:rPr lang="en-US" sz="1600" dirty="0" smtClean="0"/>
-              <a:t> Will get things clarified during the meeting in this week</a:t>
-            </a:r>
-          </a:p>
-          <a:p>
-            <a:pPr marL="254000" indent="0">
-              <a:buNone/>
-            </a:pPr>
-            <a:r>
-              <a:rPr lang="en-US" sz="1600" dirty="0" smtClean="0"/>
-              <a:t> </a:t>
-            </a:r>
-          </a:p>
-          <a:p>
-            <a:r>
-              <a:rPr lang="en-US" sz="1600" dirty="0" smtClean="0"/>
-              <a:t>  Improve the data structure that contains the description of the world</a:t>
-            </a:r>
-          </a:p>
-          <a:p>
-            <a:pPr lvl="1"/>
-            <a:r>
-              <a:rPr lang="en-US" sz="1600" dirty="0"/>
-              <a:t> </a:t>
-            </a:r>
-            <a:r>
-              <a:rPr lang="en-US" sz="1600" dirty="0" smtClean="0"/>
-              <a:t>Added required information for managing the gestures of all the active humans in the field of view.</a:t>
-            </a:r>
-          </a:p>
-          <a:p>
-            <a:pPr lvl="1"/>
-            <a:r>
-              <a:rPr lang="en-US" sz="1600" dirty="0"/>
-              <a:t> </a:t>
-            </a:r>
-            <a:r>
-              <a:rPr lang="en-US" sz="1600" dirty="0" smtClean="0"/>
-              <a:t>Additionally added information about available behavior modules and motion modules.</a:t>
-            </a:r>
+              <a:rPr lang="en-US" dirty="0" smtClean="0"/>
+              <a:t>Was not able to make it work as expected. Have to spend more time on it</a:t>
+            </a:r>
+            <a:r>
+              <a:rPr lang="en-US" dirty="0" smtClean="0"/>
+              <a:t>.</a:t>
+            </a:r>
+            <a:endParaRPr lang="en-US" dirty="0" smtClean="0"/>
+          </a:p>
+        </p:txBody>
+      </p:sp>
+      <p:pic>
+        <p:nvPicPr>
+          <p:cNvPr id="4" name="図 3"/>
+          <p:cNvPicPr>
+            <a:picLocks noChangeAspect="1"/>
+          </p:cNvPicPr>
+          <p:nvPr/>
+        </p:nvPicPr>
+        <p:blipFill>
+          <a:blip r:embed="rId2">
+            <a:extLst>
+              <a:ext uri="{28A0092B-C50C-407E-A947-70E740481C1C}">
+                <a14:useLocalDpi xmlns:a14="http://schemas.microsoft.com/office/drawing/2010/main" val="0"/>
+              </a:ext>
+            </a:extLst>
+          </a:blip>
+          <a:stretch>
+            <a:fillRect/>
+          </a:stretch>
+        </p:blipFill>
+        <p:spPr>
+          <a:xfrm>
+            <a:off x="405246" y="1832037"/>
+            <a:ext cx="3879311" cy="2914688"/>
+          </a:xfrm>
+          <a:prstGeom prst="rect">
+            <a:avLst/>
+          </a:prstGeom>
+        </p:spPr>
+      </p:pic>
+      <p:pic>
+        <p:nvPicPr>
+          <p:cNvPr id="6" name="図 5"/>
+          <p:cNvPicPr>
+            <a:picLocks noChangeAspect="1"/>
+          </p:cNvPicPr>
+          <p:nvPr/>
+        </p:nvPicPr>
+        <p:blipFill>
+          <a:blip r:embed="rId3">
+            <a:extLst>
+              <a:ext uri="{28A0092B-C50C-407E-A947-70E740481C1C}">
+                <a14:useLocalDpi xmlns:a14="http://schemas.microsoft.com/office/drawing/2010/main" val="0"/>
+              </a:ext>
+            </a:extLst>
+          </a:blip>
+          <a:stretch>
+            <a:fillRect/>
+          </a:stretch>
+        </p:blipFill>
+        <p:spPr>
+          <a:xfrm>
+            <a:off x="4295252" y="1832048"/>
+            <a:ext cx="3879311" cy="2914688"/>
+          </a:xfrm>
+          <a:prstGeom prst="rect">
+            <a:avLst/>
+          </a:prstGeom>
+        </p:spPr>
+      </p:pic>
+      <p:sp>
+        <p:nvSpPr>
+          <p:cNvPr id="7" name="テキスト ボックス 6"/>
+          <p:cNvSpPr txBox="1"/>
+          <p:nvPr/>
+        </p:nvSpPr>
+        <p:spPr>
+          <a:xfrm>
+            <a:off x="1710812" y="4633344"/>
+            <a:ext cx="1686680" cy="307777"/>
+          </a:xfrm>
+          <a:prstGeom prst="rect">
+            <a:avLst/>
+          </a:prstGeom>
+          <a:noFill/>
+        </p:spPr>
+        <p:txBody>
+          <a:bodyPr wrap="none" rtlCol="0">
+            <a:spAutoFit/>
+          </a:bodyPr>
+          <a:lstStyle/>
+          <a:p>
+            <a:r>
+              <a:rPr lang="en-US" dirty="0" smtClean="0"/>
+              <a:t>Straight Movement</a:t>
+            </a:r>
+            <a:endParaRPr lang="en-US" dirty="0"/>
+          </a:p>
+        </p:txBody>
+      </p:sp>
+      <p:sp>
+        <p:nvSpPr>
+          <p:cNvPr id="8" name="テキスト ボックス 7"/>
+          <p:cNvSpPr txBox="1"/>
+          <p:nvPr/>
+        </p:nvSpPr>
+        <p:spPr>
+          <a:xfrm>
+            <a:off x="5471102" y="4633344"/>
+            <a:ext cx="1834156" cy="307777"/>
+          </a:xfrm>
+          <a:prstGeom prst="rect">
+            <a:avLst/>
+          </a:prstGeom>
+          <a:noFill/>
+        </p:spPr>
+        <p:txBody>
+          <a:bodyPr wrap="none" rtlCol="0">
+            <a:spAutoFit/>
+          </a:bodyPr>
+          <a:lstStyle/>
+          <a:p>
+            <a:r>
+              <a:rPr lang="en-US" dirty="0" smtClean="0"/>
+              <a:t>Turn right movement</a:t>
+            </a:r>
+            <a:endParaRPr lang="en-US" dirty="0"/>
           </a:p>
         </p:txBody>
       </p:sp>
@@ -5261,6 +5281,174 @@
           <a:lstStyle/>
           <a:p>
             <a:r>
+              <a:rPr lang="en-US" sz="1600" dirty="0" smtClean="0"/>
+              <a:t>  </a:t>
+            </a:r>
+            <a:r>
+              <a:rPr lang="en-US" sz="1600" dirty="0" smtClean="0"/>
+              <a:t>Collaborate </a:t>
+            </a:r>
+            <a:r>
+              <a:rPr lang="en-US" sz="1600" dirty="0"/>
+              <a:t>with Mr. Vincent </a:t>
+            </a:r>
+            <a:r>
+              <a:rPr lang="en-US" sz="1600" dirty="0" err="1"/>
+              <a:t>Berenz</a:t>
+            </a:r>
+            <a:r>
+              <a:rPr lang="en-US" sz="1600" dirty="0"/>
+              <a:t> to use TDM framework for behavior </a:t>
+            </a:r>
+            <a:r>
+              <a:rPr lang="en-US" sz="1600" dirty="0" smtClean="0"/>
+              <a:t>execution</a:t>
+            </a:r>
+          </a:p>
+          <a:p>
+            <a:pPr lvl="1"/>
+            <a:r>
+              <a:rPr lang="en-US" sz="1600" dirty="0"/>
+              <a:t> </a:t>
+            </a:r>
+            <a:r>
+              <a:rPr lang="en-US" sz="1600" dirty="0" smtClean="0"/>
+              <a:t>Made initial tests of Nao walking towards a virtual target.</a:t>
+            </a:r>
+          </a:p>
+          <a:p>
+            <a:pPr lvl="1"/>
+            <a:r>
+              <a:rPr lang="en-US" sz="1600" dirty="0"/>
+              <a:t> </a:t>
+            </a:r>
+            <a:r>
+              <a:rPr lang="en-US" sz="1600" dirty="0" smtClean="0"/>
+              <a:t>The TDM module gets localization information in real time from the server however as the robot approaches the distance increases instead of decreasing.</a:t>
+            </a:r>
+          </a:p>
+          <a:p>
+            <a:pPr lvl="1"/>
+            <a:r>
+              <a:rPr lang="en-US" sz="1600" dirty="0" smtClean="0"/>
+              <a:t> Will get things clarified during the meeting in this week</a:t>
+            </a:r>
+          </a:p>
+          <a:p>
+            <a:pPr marL="254000" indent="0">
+              <a:buNone/>
+            </a:pPr>
+            <a:r>
+              <a:rPr lang="en-US" sz="1600" dirty="0" smtClean="0"/>
+              <a:t> </a:t>
+            </a:r>
+          </a:p>
+          <a:p>
+            <a:r>
+              <a:rPr lang="en-US" sz="1600" dirty="0" smtClean="0"/>
+              <a:t>  Improve the data structure that contains the description of the world</a:t>
+            </a:r>
+          </a:p>
+          <a:p>
+            <a:pPr lvl="1"/>
+            <a:r>
+              <a:rPr lang="en-US" sz="1600" dirty="0"/>
+              <a:t> </a:t>
+            </a:r>
+            <a:r>
+              <a:rPr lang="en-US" sz="1600" dirty="0" smtClean="0"/>
+              <a:t>Added required information for managing the gestures of all the active humans in the field of view.</a:t>
+            </a:r>
+          </a:p>
+          <a:p>
+            <a:pPr lvl="1"/>
+            <a:r>
+              <a:rPr lang="en-US" sz="1600" dirty="0"/>
+              <a:t> </a:t>
+            </a:r>
+            <a:r>
+              <a:rPr lang="en-US" sz="1600" dirty="0" smtClean="0"/>
+              <a:t>Additionally added information about available behavior modules and motion modules.</a:t>
+            </a:r>
+          </a:p>
+        </p:txBody>
+      </p:sp>
+    </p:spTree>
+    <p:extLst>
+      <p:ext uri="{BB962C8B-B14F-4D97-AF65-F5344CB8AC3E}">
+        <p14:creationId xmlns:p14="http://schemas.microsoft.com/office/powerpoint/2010/main" val="3155909251"/>
+      </p:ext>
+    </p:extLst>
+  </p:cSld>
+  <p:clrMapOvr>
+    <a:masterClrMapping/>
+  </p:clrMapOvr>
+  <p:timing>
+    <p:tnLst>
+      <p:par>
+        <p:cTn id="1" dur="indefinite" restart="never" nodeType="tmRoot"/>
+      </p:par>
+    </p:tnLst>
+  </p:timing>
+</p:sld>
+</file>
+
+<file path=ppt/slides/slide4.xml><?xml version="1.0" encoding="utf-8"?>
+<p:sld xmlns:a="http://schemas.openxmlformats.org/drawingml/2006/main" xmlns:r="http://schemas.openxmlformats.org/officeDocument/2006/relationships" xmlns:p="http://schemas.openxmlformats.org/presentationml/2006/main">
+  <p:cSld>
+    <p:spTree>
+      <p:nvGrpSpPr>
+        <p:cNvPr id="1" name=""/>
+        <p:cNvGrpSpPr/>
+        <p:nvPr/>
+      </p:nvGrpSpPr>
+      <p:grpSpPr>
+        <a:xfrm>
+          <a:off x="0" y="0"/>
+          <a:ext cx="0" cy="0"/>
+          <a:chOff x="0" y="0"/>
+          <a:chExt cx="0" cy="0"/>
+        </a:xfrm>
+      </p:grpSpPr>
+      <p:sp>
+        <p:nvSpPr>
+          <p:cNvPr id="2" name="タイトル 1"/>
+          <p:cNvSpPr>
+            <a:spLocks noGrp="1"/>
+          </p:cNvSpPr>
+          <p:nvPr>
+            <p:ph type="title"/>
+          </p:nvPr>
+        </p:nvSpPr>
+        <p:spPr/>
+        <p:txBody>
+          <a:bodyPr/>
+          <a:lstStyle/>
+          <a:p>
+            <a:r>
+              <a:rPr lang="en-US" dirty="0" smtClean="0"/>
+              <a:t>   TO-DO List</a:t>
+            </a:r>
+            <a:endParaRPr lang="en-US" dirty="0"/>
+          </a:p>
+        </p:txBody>
+      </p:sp>
+      <p:sp>
+        <p:nvSpPr>
+          <p:cNvPr id="5" name="テキスト プレースホルダー 4"/>
+          <p:cNvSpPr>
+            <a:spLocks noGrp="1"/>
+          </p:cNvSpPr>
+          <p:nvPr>
+            <p:ph type="body" idx="1"/>
+          </p:nvPr>
+        </p:nvSpPr>
+        <p:spPr/>
+        <p:txBody>
+          <a:bodyPr/>
+          <a:lstStyle/>
+          <a:p>
+            <a:r>
               <a:rPr lang="en-US" sz="1600" dirty="0"/>
               <a:t> </a:t>
             </a:r>
@@ -5438,7 +5626,7 @@
 </p:sld>
 </file>
 
-<file path=ppt/slides/slide4.xml><?xml version="1.0" encoding="utf-8"?>
+<file path=ppt/slides/slide5.xml><?xml version="1.0" encoding="utf-8"?>
 <p:sld xmlns:a="http://schemas.openxmlformats.org/drawingml/2006/main" xmlns:r="http://schemas.openxmlformats.org/officeDocument/2006/relationships" xmlns:p="http://schemas.openxmlformats.org/presentationml/2006/main">
   <p:cSld>
     <p:spTree>
@@ -5752,7 +5940,7 @@
 </p:sld>
 </file>
 
-<file path=ppt/slides/slide5.xml><?xml version="1.0" encoding="utf-8"?>
+<file path=ppt/slides/slide6.xml><?xml version="1.0" encoding="utf-8"?>
 <p:sld xmlns:a="http://schemas.openxmlformats.org/drawingml/2006/main" xmlns:r="http://schemas.openxmlformats.org/officeDocument/2006/relationships" xmlns:p="http://schemas.openxmlformats.org/presentationml/2006/main">
   <p:cSld>
     <p:spTree>
@@ -7216,788 +7404,6 @@
 </p:sld>
 </file>
 
-<file path=ppt/slides/slide6.xml><?xml version="1.0" encoding="utf-8"?>
-<p:sld xmlns:a="http://schemas.openxmlformats.org/drawingml/2006/main" xmlns:r="http://schemas.openxmlformats.org/officeDocument/2006/relationships" xmlns:p="http://schemas.openxmlformats.org/presentationml/2006/main">
-  <p:cSld>
-    <p:spTree>
-      <p:nvGrpSpPr>
-        <p:cNvPr id="1" name=""/>
-        <p:cNvGrpSpPr/>
-        <p:nvPr/>
-      </p:nvGrpSpPr>
-      <p:grpSpPr>
-        <a:xfrm>
-          <a:off x="0" y="0"/>
-          <a:ext cx="0" cy="0"/>
-          <a:chOff x="0" y="0"/>
-          <a:chExt cx="0" cy="0"/>
-        </a:xfrm>
-      </p:grpSpPr>
-      <p:sp>
-        <p:nvSpPr>
-          <p:cNvPr id="6" name="タイトル 5"/>
-          <p:cNvSpPr>
-            <a:spLocks noGrp="1"/>
-          </p:cNvSpPr>
-          <p:nvPr>
-            <p:ph type="title"/>
-          </p:nvPr>
-        </p:nvSpPr>
-        <p:spPr/>
-        <p:txBody>
-          <a:bodyPr/>
-          <a:lstStyle/>
-          <a:p>
-            <a:r>
-              <a:rPr lang="en-US" dirty="0" smtClean="0"/>
-              <a:t>Technologies/Brands/Libraries used </a:t>
-            </a:r>
-            <a:endParaRPr lang="en-US" dirty="0"/>
-          </a:p>
-        </p:txBody>
-      </p:sp>
-      <p:grpSp>
-        <p:nvGrpSpPr>
-          <p:cNvPr id="22" name="グループ化 21"/>
-          <p:cNvGrpSpPr/>
-          <p:nvPr/>
-        </p:nvGrpSpPr>
-        <p:grpSpPr>
-          <a:xfrm>
-            <a:off x="3447541" y="813086"/>
-            <a:ext cx="5547245" cy="3955990"/>
-            <a:chOff x="374348" y="869537"/>
-            <a:chExt cx="5547245" cy="3955990"/>
-          </a:xfrm>
-        </p:grpSpPr>
-        <p:pic>
-          <p:nvPicPr>
-            <p:cNvPr id="3" name="図 2"/>
-            <p:cNvPicPr>
-              <a:picLocks noChangeAspect="1"/>
-            </p:cNvPicPr>
-            <p:nvPr/>
-          </p:nvPicPr>
-          <p:blipFill>
-            <a:blip r:embed="rId2">
-              <a:extLst>
-                <a:ext uri="{28A0092B-C50C-407E-A947-70E740481C1C}">
-                  <a14:useLocalDpi xmlns:a14="http://schemas.microsoft.com/office/drawing/2010/main" val="0"/>
-                </a:ext>
-              </a:extLst>
-            </a:blip>
-            <a:stretch>
-              <a:fillRect/>
-            </a:stretch>
-          </p:blipFill>
-          <p:spPr>
-            <a:xfrm>
-              <a:off x="374348" y="2831285"/>
-              <a:ext cx="1887793" cy="482097"/>
-            </a:xfrm>
-            <a:prstGeom prst="rect">
-              <a:avLst/>
-            </a:prstGeom>
-          </p:spPr>
-        </p:pic>
-        <p:pic>
-          <p:nvPicPr>
-            <p:cNvPr id="5" name="図 4"/>
-            <p:cNvPicPr>
-              <a:picLocks noChangeAspect="1"/>
-            </p:cNvPicPr>
-            <p:nvPr/>
-          </p:nvPicPr>
-          <p:blipFill>
-            <a:blip r:embed="rId3">
-              <a:extLst>
-                <a:ext uri="{28A0092B-C50C-407E-A947-70E740481C1C}">
-                  <a14:useLocalDpi xmlns:a14="http://schemas.microsoft.com/office/drawing/2010/main" val="0"/>
-                </a:ext>
-              </a:extLst>
-            </a:blip>
-            <a:stretch>
-              <a:fillRect/>
-            </a:stretch>
-          </p:blipFill>
-          <p:spPr>
-            <a:xfrm>
-              <a:off x="374348" y="1109687"/>
-              <a:ext cx="2071668" cy="524083"/>
-            </a:xfrm>
-            <a:prstGeom prst="rect">
-              <a:avLst/>
-            </a:prstGeom>
-          </p:spPr>
-        </p:pic>
-        <p:pic>
-          <p:nvPicPr>
-            <p:cNvPr id="1026" name="Picture 2" descr="Backbone.js"/>
-            <p:cNvPicPr>
-              <a:picLocks noChangeAspect="1" noChangeArrowheads="1"/>
-            </p:cNvPicPr>
-            <p:nvPr/>
-          </p:nvPicPr>
-          <p:blipFill>
-            <a:blip r:embed="rId4">
-              <a:extLst>
-                <a:ext uri="{28A0092B-C50C-407E-A947-70E740481C1C}">
-                  <a14:useLocalDpi xmlns:a14="http://schemas.microsoft.com/office/drawing/2010/main" val="0"/>
-                </a:ext>
-              </a:extLst>
-            </a:blip>
-            <a:srcRect/>
-            <a:stretch>
-              <a:fillRect/>
-            </a:stretch>
-          </p:blipFill>
-          <p:spPr bwMode="auto">
-            <a:xfrm>
-              <a:off x="2262141" y="2002099"/>
-              <a:ext cx="2334288" cy="415446"/>
-            </a:xfrm>
-            <a:prstGeom prst="rect">
-              <a:avLst/>
-            </a:prstGeom>
-            <a:noFill/>
-            <a:extLst>
-              <a:ext uri="{909E8E84-426E-40DD-AFC4-6F175D3DCCD1}">
-                <a14:hiddenFill xmlns:a14="http://schemas.microsoft.com/office/drawing/2010/main">
-                  <a:solidFill>
-                    <a:srgbClr val="FFFFFF"/>
-                  </a:solidFill>
-                </a14:hiddenFill>
-              </a:ext>
-            </a:extLst>
-          </p:spPr>
-        </p:pic>
-        <p:pic>
-          <p:nvPicPr>
-            <p:cNvPr id="14" name="図 13"/>
-            <p:cNvPicPr>
-              <a:picLocks noChangeAspect="1"/>
-            </p:cNvPicPr>
-            <p:nvPr/>
-          </p:nvPicPr>
-          <p:blipFill>
-            <a:blip r:embed="rId5">
-              <a:extLst>
-                <a:ext uri="{28A0092B-C50C-407E-A947-70E740481C1C}">
-                  <a14:useLocalDpi xmlns:a14="http://schemas.microsoft.com/office/drawing/2010/main" val="0"/>
-                </a:ext>
-              </a:extLst>
-            </a:blip>
-            <a:stretch>
-              <a:fillRect/>
-            </a:stretch>
-          </p:blipFill>
-          <p:spPr>
-            <a:xfrm>
-              <a:off x="2868521" y="869537"/>
-              <a:ext cx="646437" cy="807242"/>
-            </a:xfrm>
-            <a:prstGeom prst="rect">
-              <a:avLst/>
-            </a:prstGeom>
-          </p:spPr>
-        </p:pic>
-        <p:pic>
-          <p:nvPicPr>
-            <p:cNvPr id="1036" name="Picture 12" descr="Image result for three js logo"/>
-            <p:cNvPicPr>
-              <a:picLocks noChangeAspect="1" noChangeArrowheads="1"/>
-            </p:cNvPicPr>
-            <p:nvPr/>
-          </p:nvPicPr>
-          <p:blipFill>
-            <a:blip r:embed="rId6">
-              <a:extLst>
-                <a:ext uri="{28A0092B-C50C-407E-A947-70E740481C1C}">
-                  <a14:useLocalDpi xmlns:a14="http://schemas.microsoft.com/office/drawing/2010/main" val="0"/>
-                </a:ext>
-              </a:extLst>
-            </a:blip>
-            <a:srcRect/>
-            <a:stretch>
-              <a:fillRect/>
-            </a:stretch>
-          </p:blipFill>
-          <p:spPr bwMode="auto">
-            <a:xfrm>
-              <a:off x="2383979" y="2903469"/>
-              <a:ext cx="2090611" cy="360718"/>
-            </a:xfrm>
-            <a:prstGeom prst="rect">
-              <a:avLst/>
-            </a:prstGeom>
-            <a:noFill/>
-            <a:extLst>
-              <a:ext uri="{909E8E84-426E-40DD-AFC4-6F175D3DCCD1}">
-                <a14:hiddenFill xmlns:a14="http://schemas.microsoft.com/office/drawing/2010/main">
-                  <a:solidFill>
-                    <a:srgbClr val="FFFFFF"/>
-                  </a:solidFill>
-                </a14:hiddenFill>
-              </a:ext>
-            </a:extLst>
-          </p:spPr>
-        </p:pic>
-        <p:pic>
-          <p:nvPicPr>
-            <p:cNvPr id="16" name="図 15"/>
-            <p:cNvPicPr>
-              <a:picLocks noChangeAspect="1"/>
-            </p:cNvPicPr>
-            <p:nvPr/>
-          </p:nvPicPr>
-          <p:blipFill>
-            <a:blip r:embed="rId7">
-              <a:extLst>
-                <a:ext uri="{28A0092B-C50C-407E-A947-70E740481C1C}">
-                  <a14:useLocalDpi xmlns:a14="http://schemas.microsoft.com/office/drawing/2010/main" val="0"/>
-                </a:ext>
-              </a:extLst>
-            </a:blip>
-            <a:stretch>
-              <a:fillRect/>
-            </a:stretch>
-          </p:blipFill>
-          <p:spPr>
-            <a:xfrm>
-              <a:off x="3943946" y="3813195"/>
-              <a:ext cx="1552365" cy="877424"/>
-            </a:xfrm>
-            <a:prstGeom prst="rect">
-              <a:avLst/>
-            </a:prstGeom>
-          </p:spPr>
-        </p:pic>
-        <p:pic>
-          <p:nvPicPr>
-            <p:cNvPr id="18" name="図 17"/>
-            <p:cNvPicPr>
-              <a:picLocks noChangeAspect="1"/>
-            </p:cNvPicPr>
-            <p:nvPr/>
-          </p:nvPicPr>
-          <p:blipFill>
-            <a:blip r:embed="rId8">
-              <a:extLst>
-                <a:ext uri="{28A0092B-C50C-407E-A947-70E740481C1C}">
-                  <a14:useLocalDpi xmlns:a14="http://schemas.microsoft.com/office/drawing/2010/main" val="0"/>
-                </a:ext>
-              </a:extLst>
-            </a:blip>
-            <a:stretch>
-              <a:fillRect/>
-            </a:stretch>
-          </p:blipFill>
-          <p:spPr>
-            <a:xfrm>
-              <a:off x="4648796" y="2775271"/>
-              <a:ext cx="1272797" cy="680199"/>
-            </a:xfrm>
-            <a:prstGeom prst="rect">
-              <a:avLst/>
-            </a:prstGeom>
-          </p:spPr>
-        </p:pic>
-        <p:pic>
-          <p:nvPicPr>
-            <p:cNvPr id="1042" name="Picture 18" descr="Logo"/>
-            <p:cNvPicPr>
-              <a:picLocks noChangeAspect="1" noChangeArrowheads="1"/>
-            </p:cNvPicPr>
-            <p:nvPr/>
-          </p:nvPicPr>
-          <p:blipFill>
-            <a:blip r:embed="rId9">
-              <a:extLst>
-                <a:ext uri="{28A0092B-C50C-407E-A947-70E740481C1C}">
-                  <a14:useLocalDpi xmlns:a14="http://schemas.microsoft.com/office/drawing/2010/main" val="0"/>
-                </a:ext>
-              </a:extLst>
-            </a:blip>
-            <a:srcRect/>
-            <a:stretch>
-              <a:fillRect/>
-            </a:stretch>
-          </p:blipFill>
-          <p:spPr bwMode="auto">
-            <a:xfrm>
-              <a:off x="3943946" y="1156776"/>
-              <a:ext cx="1409700" cy="438151"/>
-            </a:xfrm>
-            <a:prstGeom prst="rect">
-              <a:avLst/>
-            </a:prstGeom>
-            <a:noFill/>
-            <a:extLst>
-              <a:ext uri="{909E8E84-426E-40DD-AFC4-6F175D3DCCD1}">
-                <a14:hiddenFill xmlns:a14="http://schemas.microsoft.com/office/drawing/2010/main">
-                  <a:solidFill>
-                    <a:srgbClr val="FFFFFF"/>
-                  </a:solidFill>
-                </a14:hiddenFill>
-              </a:ext>
-            </a:extLst>
-          </p:spPr>
-        </p:pic>
-        <p:pic>
-          <p:nvPicPr>
-            <p:cNvPr id="21" name="図 20"/>
-            <p:cNvPicPr>
-              <a:picLocks noChangeAspect="1"/>
-            </p:cNvPicPr>
-            <p:nvPr/>
-          </p:nvPicPr>
-          <p:blipFill>
-            <a:blip r:embed="rId10">
-              <a:extLst>
-                <a:ext uri="{28A0092B-C50C-407E-A947-70E740481C1C}">
-                  <a14:useLocalDpi xmlns:a14="http://schemas.microsoft.com/office/drawing/2010/main" val="0"/>
-                </a:ext>
-              </a:extLst>
-            </a:blip>
-            <a:stretch>
-              <a:fillRect/>
-            </a:stretch>
-          </p:blipFill>
-          <p:spPr>
-            <a:xfrm>
-              <a:off x="1728172" y="3678287"/>
-              <a:ext cx="1912067" cy="1147240"/>
-            </a:xfrm>
-            <a:prstGeom prst="rect">
-              <a:avLst/>
-            </a:prstGeom>
-          </p:spPr>
-        </p:pic>
-      </p:grpSp>
-      <p:pic>
-        <p:nvPicPr>
-          <p:cNvPr id="24" name="図 23"/>
-          <p:cNvPicPr>
-            <a:picLocks noChangeAspect="1"/>
-          </p:cNvPicPr>
-          <p:nvPr/>
-        </p:nvPicPr>
-        <p:blipFill>
-          <a:blip r:embed="rId11">
-            <a:extLst>
-              <a:ext uri="{28A0092B-C50C-407E-A947-70E740481C1C}">
-                <a14:useLocalDpi xmlns:a14="http://schemas.microsoft.com/office/drawing/2010/main" val="0"/>
-              </a:ext>
-            </a:extLst>
-          </a:blip>
-          <a:stretch>
-            <a:fillRect/>
-          </a:stretch>
-        </p:blipFill>
-        <p:spPr>
-          <a:xfrm>
-            <a:off x="285134" y="1108054"/>
-            <a:ext cx="1310091" cy="409403"/>
-          </a:xfrm>
-          <a:prstGeom prst="rect">
-            <a:avLst/>
-          </a:prstGeom>
-        </p:spPr>
-      </p:pic>
-      <p:pic>
-        <p:nvPicPr>
-          <p:cNvPr id="26" name="図 25"/>
-          <p:cNvPicPr>
-            <a:picLocks noChangeAspect="1"/>
-          </p:cNvPicPr>
-          <p:nvPr/>
-        </p:nvPicPr>
-        <p:blipFill>
-          <a:blip r:embed="rId12">
-            <a:extLst>
-              <a:ext uri="{28A0092B-C50C-407E-A947-70E740481C1C}">
-                <a14:useLocalDpi xmlns:a14="http://schemas.microsoft.com/office/drawing/2010/main" val="0"/>
-              </a:ext>
-            </a:extLst>
-          </a:blip>
-          <a:stretch>
-            <a:fillRect/>
-          </a:stretch>
-        </p:blipFill>
-        <p:spPr>
-          <a:xfrm>
-            <a:off x="56967" y="1616968"/>
-            <a:ext cx="2105025" cy="647700"/>
-          </a:xfrm>
-          <a:prstGeom prst="rect">
-            <a:avLst/>
-          </a:prstGeom>
-        </p:spPr>
-      </p:pic>
-      <p:pic>
-        <p:nvPicPr>
-          <p:cNvPr id="28" name="図 27"/>
-          <p:cNvPicPr>
-            <a:picLocks noChangeAspect="1"/>
-          </p:cNvPicPr>
-          <p:nvPr/>
-        </p:nvPicPr>
-        <p:blipFill>
-          <a:blip r:embed="rId13">
-            <a:extLst>
-              <a:ext uri="{28A0092B-C50C-407E-A947-70E740481C1C}">
-                <a14:useLocalDpi xmlns:a14="http://schemas.microsoft.com/office/drawing/2010/main" val="0"/>
-              </a:ext>
-            </a:extLst>
-          </a:blip>
-          <a:stretch>
-            <a:fillRect/>
-          </a:stretch>
-        </p:blipFill>
-        <p:spPr>
-          <a:xfrm>
-            <a:off x="216927" y="2330692"/>
-            <a:ext cx="2271253" cy="460389"/>
-          </a:xfrm>
-          <a:prstGeom prst="rect">
-            <a:avLst/>
-          </a:prstGeom>
-        </p:spPr>
-      </p:pic>
-      <p:pic>
-        <p:nvPicPr>
-          <p:cNvPr id="30" name="図 29"/>
-          <p:cNvPicPr>
-            <a:picLocks noChangeAspect="1"/>
-          </p:cNvPicPr>
-          <p:nvPr/>
-        </p:nvPicPr>
-        <p:blipFill>
-          <a:blip r:embed="rId14">
-            <a:extLst>
-              <a:ext uri="{28A0092B-C50C-407E-A947-70E740481C1C}">
-                <a14:useLocalDpi xmlns:a14="http://schemas.microsoft.com/office/drawing/2010/main" val="0"/>
-              </a:ext>
-            </a:extLst>
-          </a:blip>
-          <a:stretch>
-            <a:fillRect/>
-          </a:stretch>
-        </p:blipFill>
-        <p:spPr>
-          <a:xfrm>
-            <a:off x="7943821" y="1727216"/>
-            <a:ext cx="920394" cy="920394"/>
-          </a:xfrm>
-          <a:prstGeom prst="rect">
-            <a:avLst/>
-          </a:prstGeom>
-        </p:spPr>
-      </p:pic>
-      <p:pic>
-        <p:nvPicPr>
-          <p:cNvPr id="1060" name="Picture 36" descr="Quartz Scheduler"/>
-          <p:cNvPicPr>
-            <a:picLocks noChangeAspect="1" noChangeArrowheads="1"/>
-          </p:cNvPicPr>
-          <p:nvPr/>
-        </p:nvPicPr>
-        <p:blipFill>
-          <a:blip r:embed="rId15">
-            <a:extLst>
-              <a:ext uri="{28A0092B-C50C-407E-A947-70E740481C1C}">
-                <a14:useLocalDpi xmlns:a14="http://schemas.microsoft.com/office/drawing/2010/main" val="0"/>
-              </a:ext>
-            </a:extLst>
-          </a:blip>
-          <a:srcRect/>
-          <a:stretch>
-            <a:fillRect/>
-          </a:stretch>
-        </p:blipFill>
-        <p:spPr bwMode="auto">
-          <a:xfrm>
-            <a:off x="2193580" y="1992879"/>
-            <a:ext cx="1333500" cy="304801"/>
-          </a:xfrm>
-          <a:prstGeom prst="rect">
-            <a:avLst/>
-          </a:prstGeom>
-          <a:noFill/>
-          <a:extLst>
-            <a:ext uri="{909E8E84-426E-40DD-AFC4-6F175D3DCCD1}">
-              <a14:hiddenFill xmlns:a14="http://schemas.microsoft.com/office/drawing/2010/main">
-                <a:solidFill>
-                  <a:srgbClr val="FFFFFF"/>
-                </a:solidFill>
-              </a14:hiddenFill>
-            </a:ext>
-          </a:extLst>
-        </p:spPr>
-      </p:pic>
-      <p:pic>
-        <p:nvPicPr>
-          <p:cNvPr id="1062" name="Picture 38" descr="http://opencv.org/wp-content/themes/opencv/images/logo.png"/>
-          <p:cNvPicPr>
-            <a:picLocks noChangeAspect="1" noChangeArrowheads="1"/>
-          </p:cNvPicPr>
-          <p:nvPr/>
-        </p:nvPicPr>
-        <p:blipFill>
-          <a:blip r:embed="rId16">
-            <a:extLst>
-              <a:ext uri="{28A0092B-C50C-407E-A947-70E740481C1C}">
-                <a14:useLocalDpi xmlns:a14="http://schemas.microsoft.com/office/drawing/2010/main" val="0"/>
-              </a:ext>
-            </a:extLst>
-          </a:blip>
-          <a:srcRect/>
-          <a:stretch>
-            <a:fillRect/>
-          </a:stretch>
-        </p:blipFill>
-        <p:spPr bwMode="auto">
-          <a:xfrm>
-            <a:off x="431816" y="2900196"/>
-            <a:ext cx="781050" cy="942976"/>
-          </a:xfrm>
-          <a:prstGeom prst="rect">
-            <a:avLst/>
-          </a:prstGeom>
-          <a:noFill/>
-          <a:extLst>
-            <a:ext uri="{909E8E84-426E-40DD-AFC4-6F175D3DCCD1}">
-              <a14:hiddenFill xmlns:a14="http://schemas.microsoft.com/office/drawing/2010/main">
-                <a:solidFill>
-                  <a:srgbClr val="FFFFFF"/>
-                </a:solidFill>
-              </a14:hiddenFill>
-            </a:ext>
-          </a:extLst>
-        </p:spPr>
-      </p:pic>
-      <p:pic>
-        <p:nvPicPr>
-          <p:cNvPr id="1068" name="Picture 44" descr="http://pointclouds.org/assets/images/contents/logos/pcl/pcl_vert_large_pos.png"/>
-          <p:cNvPicPr>
-            <a:picLocks noChangeAspect="1" noChangeArrowheads="1"/>
-          </p:cNvPicPr>
-          <p:nvPr/>
-        </p:nvPicPr>
-        <p:blipFill>
-          <a:blip r:embed="rId17">
-            <a:extLst>
-              <a:ext uri="{28A0092B-C50C-407E-A947-70E740481C1C}">
-                <a14:useLocalDpi xmlns:a14="http://schemas.microsoft.com/office/drawing/2010/main" val="0"/>
-              </a:ext>
-            </a:extLst>
-          </a:blip>
-          <a:srcRect/>
-          <a:stretch>
-            <a:fillRect/>
-          </a:stretch>
-        </p:blipFill>
-        <p:spPr bwMode="auto">
-          <a:xfrm>
-            <a:off x="1317220" y="2886999"/>
-            <a:ext cx="696251" cy="949435"/>
-          </a:xfrm>
-          <a:prstGeom prst="rect">
-            <a:avLst/>
-          </a:prstGeom>
-          <a:noFill/>
-          <a:extLst>
-            <a:ext uri="{909E8E84-426E-40DD-AFC4-6F175D3DCCD1}">
-              <a14:hiddenFill xmlns:a14="http://schemas.microsoft.com/office/drawing/2010/main">
-                <a:solidFill>
-                  <a:srgbClr val="FFFFFF"/>
-                </a:solidFill>
-              </a14:hiddenFill>
-            </a:ext>
-          </a:extLst>
-        </p:spPr>
-      </p:pic>
-      <p:pic>
-        <p:nvPicPr>
-          <p:cNvPr id="1024" name="図 1023"/>
-          <p:cNvPicPr>
-            <a:picLocks noChangeAspect="1"/>
-          </p:cNvPicPr>
-          <p:nvPr/>
-        </p:nvPicPr>
-        <p:blipFill>
-          <a:blip r:embed="rId18">
-            <a:extLst>
-              <a:ext uri="{28A0092B-C50C-407E-A947-70E740481C1C}">
-                <a14:useLocalDpi xmlns:a14="http://schemas.microsoft.com/office/drawing/2010/main" val="0"/>
-              </a:ext>
-            </a:extLst>
-          </a:blip>
-          <a:stretch>
-            <a:fillRect/>
-          </a:stretch>
-        </p:blipFill>
-        <p:spPr>
-          <a:xfrm>
-            <a:off x="2393628" y="4180658"/>
-            <a:ext cx="1462115" cy="453510"/>
-          </a:xfrm>
-          <a:prstGeom prst="rect">
-            <a:avLst/>
-          </a:prstGeom>
-        </p:spPr>
-      </p:pic>
-      <p:pic>
-        <p:nvPicPr>
-          <p:cNvPr id="1074" name="Picture 50" descr="http://t3.gstatic.com/images?q=tbn:ANd9GcSELtU8iXhVKIPOZdIO2bqmNFPuBH2WTMxYRIDXUYI_KCZ78LBN"/>
-          <p:cNvPicPr>
-            <a:picLocks noChangeAspect="1" noChangeArrowheads="1"/>
-          </p:cNvPicPr>
-          <p:nvPr/>
-        </p:nvPicPr>
-        <p:blipFill>
-          <a:blip r:embed="rId19">
-            <a:extLst>
-              <a:ext uri="{28A0092B-C50C-407E-A947-70E740481C1C}">
-                <a14:useLocalDpi xmlns:a14="http://schemas.microsoft.com/office/drawing/2010/main" val="0"/>
-              </a:ext>
-            </a:extLst>
-          </a:blip>
-          <a:srcRect/>
-          <a:stretch>
-            <a:fillRect/>
-          </a:stretch>
-        </p:blipFill>
-        <p:spPr bwMode="auto">
-          <a:xfrm>
-            <a:off x="2013471" y="1157157"/>
-            <a:ext cx="1106144" cy="370319"/>
-          </a:xfrm>
-          <a:prstGeom prst="rect">
-            <a:avLst/>
-          </a:prstGeom>
-          <a:noFill/>
-          <a:extLst>
-            <a:ext uri="{909E8E84-426E-40DD-AFC4-6F175D3DCCD1}">
-              <a14:hiddenFill xmlns:a14="http://schemas.microsoft.com/office/drawing/2010/main">
-                <a:solidFill>
-                  <a:srgbClr val="FFFFFF"/>
-                </a:solidFill>
-              </a14:hiddenFill>
-            </a:ext>
-          </a:extLst>
-        </p:spPr>
-      </p:pic>
-      <p:pic>
-        <p:nvPicPr>
-          <p:cNvPr id="1028" name="図 1027"/>
-          <p:cNvPicPr>
-            <a:picLocks noChangeAspect="1"/>
-          </p:cNvPicPr>
-          <p:nvPr/>
-        </p:nvPicPr>
-        <p:blipFill>
-          <a:blip r:embed="rId20">
-            <a:extLst>
-              <a:ext uri="{28A0092B-C50C-407E-A947-70E740481C1C}">
-                <a14:useLocalDpi xmlns:a14="http://schemas.microsoft.com/office/drawing/2010/main" val="0"/>
-              </a:ext>
-            </a:extLst>
-          </a:blip>
-          <a:stretch>
-            <a:fillRect/>
-          </a:stretch>
-        </p:blipFill>
-        <p:spPr>
-          <a:xfrm>
-            <a:off x="3824188" y="1856021"/>
-            <a:ext cx="776750" cy="776750"/>
-          </a:xfrm>
-          <a:prstGeom prst="rect">
-            <a:avLst/>
-          </a:prstGeom>
-        </p:spPr>
-      </p:pic>
-      <p:pic>
-        <p:nvPicPr>
-          <p:cNvPr id="1030" name="図 1029"/>
-          <p:cNvPicPr>
-            <a:picLocks noChangeAspect="1"/>
-          </p:cNvPicPr>
-          <p:nvPr/>
-        </p:nvPicPr>
-        <p:blipFill>
-          <a:blip r:embed="rId21">
-            <a:extLst>
-              <a:ext uri="{28A0092B-C50C-407E-A947-70E740481C1C}">
-                <a14:useLocalDpi xmlns:a14="http://schemas.microsoft.com/office/drawing/2010/main" val="0"/>
-              </a:ext>
-            </a:extLst>
-          </a:blip>
-          <a:stretch>
-            <a:fillRect/>
-          </a:stretch>
-        </p:blipFill>
-        <p:spPr>
-          <a:xfrm>
-            <a:off x="2394247" y="3228485"/>
-            <a:ext cx="1070279" cy="614687"/>
-          </a:xfrm>
-          <a:prstGeom prst="rect">
-            <a:avLst/>
-          </a:prstGeom>
-        </p:spPr>
-      </p:pic>
-      <p:pic>
-        <p:nvPicPr>
-          <p:cNvPr id="1031" name="図 1030"/>
-          <p:cNvPicPr>
-            <a:picLocks noChangeAspect="1"/>
-          </p:cNvPicPr>
-          <p:nvPr/>
-        </p:nvPicPr>
-        <p:blipFill>
-          <a:blip r:embed="rId22">
-            <a:extLst>
-              <a:ext uri="{28A0092B-C50C-407E-A947-70E740481C1C}">
-                <a14:useLocalDpi xmlns:a14="http://schemas.microsoft.com/office/drawing/2010/main" val="0"/>
-              </a:ext>
-            </a:extLst>
-          </a:blip>
-          <a:stretch>
-            <a:fillRect/>
-          </a:stretch>
-        </p:blipFill>
-        <p:spPr>
-          <a:xfrm>
-            <a:off x="363716" y="3952287"/>
-            <a:ext cx="917249" cy="917249"/>
-          </a:xfrm>
-          <a:prstGeom prst="rect">
-            <a:avLst/>
-          </a:prstGeom>
-        </p:spPr>
-      </p:pic>
-    </p:spTree>
-    <p:extLst>
-      <p:ext uri="{BB962C8B-B14F-4D97-AF65-F5344CB8AC3E}">
-        <p14:creationId xmlns:p14="http://schemas.microsoft.com/office/powerpoint/2010/main" val="2316748116"/>
-      </p:ext>
-    </p:extLst>
-  </p:cSld>
-  <p:clrMapOvr>
-    <a:masterClrMapping/>
-  </p:clrMapOvr>
-  <p:timing>
-    <p:tnLst>
-      <p:par>
-        <p:cTn id="1" dur="indefinite" restart="never" nodeType="tmRoot"/>
-      </p:par>
-    </p:tnLst>
-  </p:timing>
-</p:sld>
-</file>
-
 <file path=ppt/slides/slide7.xml><?xml version="1.0" encoding="utf-8"?>
 <p:sld xmlns:a="http://schemas.openxmlformats.org/drawingml/2006/main" xmlns:r="http://schemas.openxmlformats.org/officeDocument/2006/relationships" xmlns:p="http://schemas.openxmlformats.org/presentationml/2006/main">
   <p:cSld>

--- a/docs/MonthlyPresentation/20150511_PRAVEEN.pptx
+++ b/docs/MonthlyPresentation/20150511_PRAVEEN.pptx
@@ -5060,11 +5060,7 @@
             <a:pPr lvl="1"/>
             <a:r>
               <a:rPr lang="en-US" dirty="0" smtClean="0"/>
-              <a:t> Particle </a:t>
-            </a:r>
-            <a:r>
-              <a:rPr lang="en-US" dirty="0" smtClean="0"/>
-              <a:t>Filter approach using Bayesian filter library</a:t>
+              <a:t> Particle Filter approach using Bayesian filter library</a:t>
             </a:r>
           </a:p>
           <a:p>
@@ -5075,76 +5071,11 @@
             </a:r>
             <a:r>
               <a:rPr lang="en-US" dirty="0" smtClean="0"/>
-              <a:t>Was not able to make it work as expected. Have to spend more time on it</a:t>
-            </a:r>
-            <a:r>
-              <a:rPr lang="en-US" dirty="0" smtClean="0"/>
-              <a:t>.</a:t>
-            </a:r>
-            <a:endParaRPr lang="en-US" dirty="0" smtClean="0"/>
+              <a:t>Was not able to make it work as expected. Have to spend more time on it.</a:t>
+            </a:r>
           </a:p>
         </p:txBody>
       </p:sp>
-      <p:pic>
-        <p:nvPicPr>
-          <p:cNvPr id="4" name="図 3"/>
-          <p:cNvPicPr>
-            <a:picLocks noChangeAspect="1"/>
-          </p:cNvPicPr>
-          <p:nvPr/>
-        </p:nvPicPr>
-        <p:blipFill>
-          <a:blip r:embed="rId2">
-            <a:extLst>
-              <a:ext uri="{28A0092B-C50C-407E-A947-70E740481C1C}">
-                <a14:useLocalDpi xmlns:a14="http://schemas.microsoft.com/office/drawing/2010/main" val="0"/>
-              </a:ext>
-            </a:extLst>
-          </a:blip>
-          <a:stretch>
-            <a:fillRect/>
-          </a:stretch>
-        </p:blipFill>
-        <p:spPr>
-          <a:xfrm>
-            <a:off x="405246" y="1832037"/>
-            <a:ext cx="3879311" cy="2914688"/>
-          </a:xfrm>
-          <a:prstGeom prst="rect">
-            <a:avLst/>
-          </a:prstGeom>
-        </p:spPr>
-      </p:pic>
-      <p:pic>
-        <p:nvPicPr>
-          <p:cNvPr id="6" name="図 5"/>
-          <p:cNvPicPr>
-            <a:picLocks noChangeAspect="1"/>
-          </p:cNvPicPr>
-          <p:nvPr/>
-        </p:nvPicPr>
-        <p:blipFill>
-          <a:blip r:embed="rId3">
-            <a:extLst>
-              <a:ext uri="{28A0092B-C50C-407E-A947-70E740481C1C}">
-                <a14:useLocalDpi xmlns:a14="http://schemas.microsoft.com/office/drawing/2010/main" val="0"/>
-              </a:ext>
-            </a:extLst>
-          </a:blip>
-          <a:stretch>
-            <a:fillRect/>
-          </a:stretch>
-        </p:blipFill>
-        <p:spPr>
-          <a:xfrm>
-            <a:off x="4295252" y="1832048"/>
-            <a:ext cx="3879311" cy="2914688"/>
-          </a:xfrm>
-          <a:prstGeom prst="rect">
-            <a:avLst/>
-          </a:prstGeom>
-        </p:spPr>
-      </p:pic>
       <p:sp>
         <p:nvSpPr>
           <p:cNvPr id="7" name="テキスト ボックス 6"/>
@@ -5205,6 +5136,66 @@
           </a:p>
         </p:txBody>
       </p:sp>
+      <p:pic>
+        <p:nvPicPr>
+          <p:cNvPr id="3" name="図 2"/>
+          <p:cNvPicPr>
+            <a:picLocks noChangeAspect="1"/>
+          </p:cNvPicPr>
+          <p:nvPr/>
+        </p:nvPicPr>
+        <p:blipFill>
+          <a:blip r:embed="rId2">
+            <a:extLst>
+              <a:ext uri="{28A0092B-C50C-407E-A947-70E740481C1C}">
+                <a14:useLocalDpi xmlns:a14="http://schemas.microsoft.com/office/drawing/2010/main" val="0"/>
+              </a:ext>
+            </a:extLst>
+          </a:blip>
+          <a:stretch>
+            <a:fillRect/>
+          </a:stretch>
+        </p:blipFill>
+        <p:spPr>
+          <a:xfrm>
+            <a:off x="597553" y="1847585"/>
+            <a:ext cx="3836744" cy="2882706"/>
+          </a:xfrm>
+          <a:prstGeom prst="rect">
+            <a:avLst/>
+          </a:prstGeom>
+        </p:spPr>
+      </p:pic>
+      <p:pic>
+        <p:nvPicPr>
+          <p:cNvPr id="9" name="図 8"/>
+          <p:cNvPicPr>
+            <a:picLocks noChangeAspect="1"/>
+          </p:cNvPicPr>
+          <p:nvPr/>
+        </p:nvPicPr>
+        <p:blipFill>
+          <a:blip r:embed="rId3">
+            <a:extLst>
+              <a:ext uri="{28A0092B-C50C-407E-A947-70E740481C1C}">
+                <a14:useLocalDpi xmlns:a14="http://schemas.microsoft.com/office/drawing/2010/main" val="0"/>
+              </a:ext>
+            </a:extLst>
+          </a:blip>
+          <a:stretch>
+            <a:fillRect/>
+          </a:stretch>
+        </p:blipFill>
+        <p:spPr>
+          <a:xfrm>
+            <a:off x="4469807" y="1847585"/>
+            <a:ext cx="3836745" cy="2882706"/>
+          </a:xfrm>
+          <a:prstGeom prst="rect">
+            <a:avLst/>
+          </a:prstGeom>
+        </p:spPr>
+      </p:pic>
     </p:spTree>
     <p:extLst>
       <p:ext uri="{BB962C8B-B14F-4D97-AF65-F5344CB8AC3E}">
@@ -5282,11 +5273,7 @@
           <a:p>
             <a:r>
               <a:rPr lang="en-US" sz="1600" dirty="0" smtClean="0"/>
-              <a:t>  </a:t>
-            </a:r>
-            <a:r>
-              <a:rPr lang="en-US" sz="1600" dirty="0" smtClean="0"/>
-              <a:t>Collaborate </a:t>
+              <a:t>  Collaborate </a:t>
             </a:r>
             <a:r>
               <a:rPr lang="en-US" sz="1600" dirty="0"/>
